--- a/Project_Intro.pptx
+++ b/Project_Intro.pptx
@@ -3845,7 +3845,7 @@
             </a:pPr>
             <a:r>
               <a:rPr lang="en-US" sz="2400" dirty="0" smtClean="0"/>
-              <a:t>Organize Code / Repository</a:t>
+              <a:t>Organize Code</a:t>
             </a:r>
           </a:p>
           <a:p>
@@ -3854,15 +3854,9 @@
               <a:buAutoNum type="arabicPeriod"/>
             </a:pPr>
             <a:r>
-              <a:rPr lang="en-US" sz="2400" dirty="0" smtClean="0"/>
-              <a:t>Prepare Presentation</a:t>
-            </a:r>
-          </a:p>
-          <a:p>
-            <a:pPr marL="457200" indent="-457200">
-              <a:buFont typeface="+mj-lt"/>
-              <a:buAutoNum type="arabicPeriod"/>
-            </a:pPr>
+              <a:rPr lang="en-US" sz="2400" smtClean="0"/>
+              <a:t>Project Walkthrough</a:t>
+            </a:r>
             <a:endParaRPr lang="en-US" sz="2400" dirty="0" smtClean="0"/>
           </a:p>
           <a:p>
